--- a/Циклы/Циклы.pptx
+++ b/Циклы/Циклы.pptx
@@ -840,7 +840,7 @@
           <a:p>
             <a:fld id="{317EF784-A284-4451-AF33-944B2EC42229}" type="datetimeFigureOut">
               <a:rPr lang="ru-RU" smtClean="0"/>
-              <a:t>23.11.2021</a:t>
+              <a:t>27.11.2021</a:t>
             </a:fld>
             <a:endParaRPr lang="ru-RU"/>
           </a:p>
@@ -1091,7 +1091,7 @@
           <a:p>
             <a:fld id="{317EF784-A284-4451-AF33-944B2EC42229}" type="datetimeFigureOut">
               <a:rPr lang="ru-RU" smtClean="0"/>
-              <a:t>23.11.2021</a:t>
+              <a:t>27.11.2021</a:t>
             </a:fld>
             <a:endParaRPr lang="ru-RU"/>
           </a:p>
@@ -1405,7 +1405,7 @@
           <a:p>
             <a:fld id="{317EF784-A284-4451-AF33-944B2EC42229}" type="datetimeFigureOut">
               <a:rPr lang="ru-RU" smtClean="0"/>
-              <a:t>23.11.2021</a:t>
+              <a:t>27.11.2021</a:t>
             </a:fld>
             <a:endParaRPr lang="ru-RU"/>
           </a:p>
@@ -1732,7 +1732,7 @@
           <a:p>
             <a:fld id="{317EF784-A284-4451-AF33-944B2EC42229}" type="datetimeFigureOut">
               <a:rPr lang="ru-RU" smtClean="0"/>
-              <a:t>23.11.2021</a:t>
+              <a:t>27.11.2021</a:t>
             </a:fld>
             <a:endParaRPr lang="ru-RU"/>
           </a:p>
@@ -2046,7 +2046,7 @@
           <a:p>
             <a:fld id="{317EF784-A284-4451-AF33-944B2EC42229}" type="datetimeFigureOut">
               <a:rPr lang="ru-RU" smtClean="0"/>
-              <a:t>23.11.2021</a:t>
+              <a:t>27.11.2021</a:t>
             </a:fld>
             <a:endParaRPr lang="ru-RU"/>
           </a:p>
@@ -2433,7 +2433,7 @@
           <a:p>
             <a:fld id="{317EF784-A284-4451-AF33-944B2EC42229}" type="datetimeFigureOut">
               <a:rPr lang="ru-RU" smtClean="0"/>
-              <a:t>23.11.2021</a:t>
+              <a:t>27.11.2021</a:t>
             </a:fld>
             <a:endParaRPr lang="ru-RU"/>
           </a:p>
@@ -2603,7 +2603,7 @@
           <a:p>
             <a:fld id="{317EF784-A284-4451-AF33-944B2EC42229}" type="datetimeFigureOut">
               <a:rPr lang="ru-RU" smtClean="0"/>
-              <a:t>23.11.2021</a:t>
+              <a:t>27.11.2021</a:t>
             </a:fld>
             <a:endParaRPr lang="ru-RU"/>
           </a:p>
@@ -2783,7 +2783,7 @@
           <a:p>
             <a:fld id="{317EF784-A284-4451-AF33-944B2EC42229}" type="datetimeFigureOut">
               <a:rPr lang="ru-RU" smtClean="0"/>
-              <a:t>23.11.2021</a:t>
+              <a:t>27.11.2021</a:t>
             </a:fld>
             <a:endParaRPr lang="ru-RU"/>
           </a:p>
@@ -2959,7 +2959,7 @@
           <a:p>
             <a:fld id="{317EF784-A284-4451-AF33-944B2EC42229}" type="datetimeFigureOut">
               <a:rPr lang="ru-RU" smtClean="0"/>
-              <a:t>23.11.2021</a:t>
+              <a:t>27.11.2021</a:t>
             </a:fld>
             <a:endParaRPr lang="ru-RU"/>
           </a:p>
@@ -3206,7 +3206,7 @@
           <a:p>
             <a:fld id="{317EF784-A284-4451-AF33-944B2EC42229}" type="datetimeFigureOut">
               <a:rPr lang="ru-RU" smtClean="0"/>
-              <a:t>23.11.2021</a:t>
+              <a:t>27.11.2021</a:t>
             </a:fld>
             <a:endParaRPr lang="ru-RU"/>
           </a:p>
@@ -3438,7 +3438,7 @@
           <a:p>
             <a:fld id="{317EF784-A284-4451-AF33-944B2EC42229}" type="datetimeFigureOut">
               <a:rPr lang="ru-RU" smtClean="0"/>
-              <a:t>23.11.2021</a:t>
+              <a:t>27.11.2021</a:t>
             </a:fld>
             <a:endParaRPr lang="ru-RU"/>
           </a:p>
@@ -3812,7 +3812,7 @@
           <a:p>
             <a:fld id="{317EF784-A284-4451-AF33-944B2EC42229}" type="datetimeFigureOut">
               <a:rPr lang="ru-RU" smtClean="0"/>
-              <a:t>23.11.2021</a:t>
+              <a:t>27.11.2021</a:t>
             </a:fld>
             <a:endParaRPr lang="ru-RU"/>
           </a:p>
@@ -3935,7 +3935,7 @@
           <a:p>
             <a:fld id="{317EF784-A284-4451-AF33-944B2EC42229}" type="datetimeFigureOut">
               <a:rPr lang="ru-RU" smtClean="0"/>
-              <a:t>23.11.2021</a:t>
+              <a:t>27.11.2021</a:t>
             </a:fld>
             <a:endParaRPr lang="ru-RU"/>
           </a:p>
@@ -4030,7 +4030,7 @@
           <a:p>
             <a:fld id="{317EF784-A284-4451-AF33-944B2EC42229}" type="datetimeFigureOut">
               <a:rPr lang="ru-RU" smtClean="0"/>
-              <a:t>23.11.2021</a:t>
+              <a:t>27.11.2021</a:t>
             </a:fld>
             <a:endParaRPr lang="ru-RU"/>
           </a:p>
@@ -4285,7 +4285,7 @@
           <a:p>
             <a:fld id="{317EF784-A284-4451-AF33-944B2EC42229}" type="datetimeFigureOut">
               <a:rPr lang="ru-RU" smtClean="0"/>
-              <a:t>23.11.2021</a:t>
+              <a:t>27.11.2021</a:t>
             </a:fld>
             <a:endParaRPr lang="ru-RU"/>
           </a:p>
@@ -4548,7 +4548,7 @@
           <a:p>
             <a:fld id="{317EF784-A284-4451-AF33-944B2EC42229}" type="datetimeFigureOut">
               <a:rPr lang="ru-RU" smtClean="0"/>
-              <a:t>23.11.2021</a:t>
+              <a:t>27.11.2021</a:t>
             </a:fld>
             <a:endParaRPr lang="ru-RU"/>
           </a:p>
@@ -5293,7 +5293,7 @@
           <a:p>
             <a:fld id="{317EF784-A284-4451-AF33-944B2EC42229}" type="datetimeFigureOut">
               <a:rPr lang="ru-RU" smtClean="0"/>
-              <a:t>23.11.2021</a:t>
+              <a:t>27.11.2021</a:t>
             </a:fld>
             <a:endParaRPr lang="ru-RU"/>
           </a:p>
@@ -5984,20 +5984,18 @@
               <a:rPr lang="ru-RU" dirty="0" smtClean="0"/>
               <a:t>)</a:t>
             </a:r>
-            <a:endParaRPr lang="ru-RU" dirty="0" smtClean="0"/>
           </a:p>
           <a:p>
             <a:r>
               <a:rPr lang="ru-RU" dirty="0" smtClean="0"/>
               <a:t>Цикл может быть вложенным неограниченное число раз. Можно комбинировать разные типы циклов.</a:t>
             </a:r>
-            <a:endParaRPr lang="ru-RU" dirty="0" smtClean="0"/>
           </a:p>
         </p:txBody>
       </p:sp>
       <p:pic>
         <p:nvPicPr>
-          <p:cNvPr id="5" name="Рисунок 4"/>
+          <p:cNvPr id="4" name="Рисунок 3"/>
           <p:cNvPicPr>
             <a:picLocks noChangeAspect="1"/>
           </p:cNvPicPr>
@@ -6011,8 +6009,8 @@
         </p:blipFill>
         <p:spPr>
           <a:xfrm>
-            <a:off x="5662320" y="2315365"/>
-            <a:ext cx="4561905" cy="3409524"/>
+            <a:off x="4858327" y="2493654"/>
+            <a:ext cx="4704762" cy="2000000"/>
           </a:xfrm>
           <a:prstGeom prst="rect">
             <a:avLst/>
@@ -6443,38 +6441,30 @@
           <a:p>
             <a:r>
               <a:rPr lang="ru-RU" dirty="0" smtClean="0"/>
-              <a:t>Задание </a:t>
-            </a:r>
+              <a:t>Задание по циклам</a:t>
+            </a:r>
+            <a:endParaRPr lang="ru-RU" dirty="0"/>
+          </a:p>
+        </p:txBody>
+      </p:sp>
+      <p:sp>
+        <p:nvSpPr>
+          <p:cNvPr id="3" name="Объект 2"/>
+          <p:cNvSpPr>
+            <a:spLocks noGrp="1"/>
+          </p:cNvSpPr>
+          <p:nvPr>
+            <p:ph idx="1"/>
+          </p:nvPr>
+        </p:nvSpPr>
+        <p:spPr/>
+        <p:txBody>
+          <a:bodyPr/>
+          <a:lstStyle/>
+          <a:p>
             <a:r>
               <a:rPr lang="ru-RU" dirty="0" smtClean="0"/>
-              <a:t>по циклам</a:t>
-            </a:r>
-            <a:endParaRPr lang="ru-RU" dirty="0"/>
-          </a:p>
-        </p:txBody>
-      </p:sp>
-      <p:sp>
-        <p:nvSpPr>
-          <p:cNvPr id="3" name="Объект 2"/>
-          <p:cNvSpPr>
-            <a:spLocks noGrp="1"/>
-          </p:cNvSpPr>
-          <p:nvPr>
-            <p:ph idx="1"/>
-          </p:nvPr>
-        </p:nvSpPr>
-        <p:spPr/>
-        <p:txBody>
-          <a:bodyPr/>
-          <a:lstStyle/>
-          <a:p>
-            <a:r>
-              <a:rPr lang="ru-RU" dirty="0" smtClean="0"/>
-              <a:t>Создать цикл с параметром. </a:t>
-            </a:r>
-            <a:r>
-              <a:rPr lang="ru-RU" dirty="0" smtClean="0"/>
-              <a:t>В течение всего цикла прибавлять номер шага к случайному числу в диапазоне от 1 до миллиона. Результат сложения выводить на экран через разделители</a:t>
+              <a:t>Создать цикл с параметром. В течение всего цикла прибавлять номер шага к случайному числу в диапазоне от 1 до миллиона. Результат сложения выводить на экран через разделители</a:t>
             </a:r>
           </a:p>
           <a:p>
@@ -6500,11 +6490,7 @@
             </a:r>
             <a:r>
               <a:rPr lang="ru-RU" dirty="0" smtClean="0"/>
-              <a:t> равной 0. </a:t>
-            </a:r>
-            <a:r>
-              <a:rPr lang="ru-RU" dirty="0" smtClean="0"/>
-              <a:t>Остановить цикл, когда значение переменной 0 станет случайным в диапазоне от 2 миллионов до 3 миллионов (перед циклом объявить это число при помощи функции </a:t>
+              <a:t> равной 0. Остановить цикл, когда значение переменной 0 станет случайным в диапазоне от 2 миллионов до 3 миллионов (перед циклом объявить это число при помощи функции </a:t>
             </a:r>
             <a:r>
               <a:rPr lang="en-US" dirty="0" smtClean="0"/>
